--- a/documents/情報処理学会TANGXIAO_20170306.pptx
+++ b/documents/情報処理学会TANGXIAO_20170306.pptx
@@ -508,11 +508,11 @@
         </c:dLbls>
         <c:gapWidth val="100"/>
         <c:overlap val="-24"/>
-        <c:axId val="-492492928"/>
-        <c:axId val="-492502720"/>
+        <c:axId val="1462399552"/>
+        <c:axId val="1462411520"/>
       </c:barChart>
       <c:catAx>
-        <c:axId val="-492492928"/>
+        <c:axId val="1462399552"/>
         <c:scaling>
           <c:orientation val="minMax"/>
         </c:scaling>
@@ -588,7 +588,7 @@
         <c:majorTickMark val="none"/>
         <c:minorTickMark val="none"/>
         <c:tickLblPos val="nextTo"/>
-        <c:crossAx val="-492502720"/>
+        <c:crossAx val="1462411520"/>
         <c:crosses val="autoZero"/>
         <c:auto val="1"/>
         <c:lblAlgn val="ctr"/>
@@ -596,7 +596,7 @@
         <c:noMultiLvlLbl val="0"/>
       </c:catAx>
       <c:valAx>
-        <c:axId val="-492502720"/>
+        <c:axId val="1462411520"/>
         <c:scaling>
           <c:orientation val="minMax"/>
         </c:scaling>
@@ -694,7 +694,7 @@
             <a:endParaRPr lang="zh-CN"/>
           </a:p>
         </c:txPr>
-        <c:crossAx val="-492492928"/>
+        <c:crossAx val="1462399552"/>
         <c:crosses val="autoZero"/>
         <c:crossBetween val="between"/>
       </c:valAx>
@@ -9962,7 +9962,7 @@
         <p:spPr>
           <a:xfrm>
             <a:off x="5393913" y="2846153"/>
-            <a:ext cx="2436400" cy="1212640"/>
+            <a:ext cx="2436400" cy="1268424"/>
           </a:xfrm>
           <a:prstGeom prst="rect">
             <a:avLst/>
@@ -9981,11 +9981,11 @@
               </a:lnSpc>
             </a:pPr>
             <a:r>
-              <a:rPr lang="en-US" altLang="ja-JP" sz="1400" dirty="0" smtClean="0"/>
+              <a:rPr lang="en-US" altLang="ja-JP" sz="1500" dirty="0" smtClean="0"/>
               <a:t>[(2,2), </a:t>
             </a:r>
             <a:r>
-              <a:rPr lang="en-US" altLang="ja-JP" sz="1400" dirty="0"/>
+              <a:rPr lang="en-US" altLang="ja-JP" sz="1500" dirty="0"/>
               <a:t>“Pursuer”, time = 1] </a:t>
             </a:r>
           </a:p>
@@ -9996,11 +9996,11 @@
               </a:lnSpc>
             </a:pPr>
             <a:r>
-              <a:rPr lang="en-US" altLang="ja-JP" sz="1400" dirty="0" smtClean="0"/>
+              <a:rPr lang="en-US" altLang="ja-JP" sz="1500" dirty="0" smtClean="0"/>
               <a:t>[(3,1), </a:t>
             </a:r>
             <a:r>
-              <a:rPr lang="en-US" altLang="ja-JP" sz="1400" dirty="0"/>
+              <a:rPr lang="en-US" altLang="ja-JP" sz="1500" dirty="0"/>
               <a:t>“Pursuer”, time = 1]</a:t>
             </a:r>
           </a:p>
@@ -10011,11 +10011,11 @@
               </a:lnSpc>
             </a:pPr>
             <a:r>
-              <a:rPr lang="en-US" altLang="ja-JP" sz="1400" dirty="0" smtClean="0"/>
+              <a:rPr lang="en-US" altLang="ja-JP" sz="1500" dirty="0" smtClean="0"/>
               <a:t>[(4,2), </a:t>
             </a:r>
             <a:r>
-              <a:rPr lang="en-US" altLang="ja-JP" sz="1400" dirty="0"/>
+              <a:rPr lang="en-US" altLang="ja-JP" sz="1500" dirty="0"/>
               <a:t>“Pursuer”, time = 1]</a:t>
             </a:r>
           </a:p>
@@ -10026,14 +10026,14 @@
               </a:lnSpc>
             </a:pPr>
             <a:r>
-              <a:rPr lang="en-US" altLang="ja-JP" sz="1400" dirty="0" smtClean="0"/>
+              <a:rPr lang="en-US" altLang="ja-JP" sz="1500" dirty="0" smtClean="0"/>
               <a:t>[(3,3), </a:t>
             </a:r>
             <a:r>
-              <a:rPr lang="en-US" altLang="ja-JP" sz="1400" dirty="0"/>
+              <a:rPr lang="en-US" altLang="ja-JP" sz="1500" dirty="0"/>
               <a:t>“Pursuer”, time = 1]</a:t>
             </a:r>
-            <a:endParaRPr kumimoji="1" lang="ja-JP" altLang="en-US" sz="1400" dirty="0"/>
+            <a:endParaRPr kumimoji="1" lang="ja-JP" altLang="en-US" sz="1500" dirty="0"/>
           </a:p>
         </p:txBody>
       </p:sp>
@@ -10045,8 +10045,8 @@
         </p:nvSpPr>
         <p:spPr>
           <a:xfrm>
-            <a:off x="5393913" y="3944122"/>
-            <a:ext cx="2436400" cy="1212640"/>
+            <a:off x="5393913" y="3979758"/>
+            <a:ext cx="2436400" cy="1268424"/>
           </a:xfrm>
           <a:prstGeom prst="rect">
             <a:avLst/>
@@ -10065,11 +10065,11 @@
               </a:lnSpc>
             </a:pPr>
             <a:r>
-              <a:rPr lang="en-US" altLang="ja-JP" sz="1400" dirty="0" smtClean="0"/>
+              <a:rPr lang="en-US" altLang="ja-JP" sz="1500" dirty="0"/>
               <a:t>[(6,5), </a:t>
             </a:r>
             <a:r>
-              <a:rPr lang="en-US" altLang="ja-JP" sz="1400" dirty="0"/>
+              <a:rPr lang="en-US" altLang="ja-JP" sz="1500" dirty="0"/>
               <a:t>“Pursuer”, time = 1] </a:t>
             </a:r>
           </a:p>
@@ -10080,11 +10080,11 @@
               </a:lnSpc>
             </a:pPr>
             <a:r>
-              <a:rPr lang="en-US" altLang="ja-JP" sz="1400" dirty="0" smtClean="0"/>
+              <a:rPr lang="en-US" altLang="ja-JP" sz="1500" dirty="0"/>
               <a:t>[(7,4), </a:t>
             </a:r>
             <a:r>
-              <a:rPr lang="en-US" altLang="ja-JP" sz="1400" dirty="0"/>
+              <a:rPr lang="en-US" altLang="ja-JP" sz="1500" dirty="0"/>
               <a:t>“Pursuer”, time = 1]</a:t>
             </a:r>
           </a:p>
@@ -10095,11 +10095,11 @@
               </a:lnSpc>
             </a:pPr>
             <a:r>
-              <a:rPr lang="en-US" altLang="ja-JP" sz="1400" dirty="0" smtClean="0"/>
+              <a:rPr lang="en-US" altLang="ja-JP" sz="1500" dirty="0"/>
               <a:t>[(8,5), </a:t>
             </a:r>
             <a:r>
-              <a:rPr lang="en-US" altLang="ja-JP" sz="1400" dirty="0"/>
+              <a:rPr lang="en-US" altLang="ja-JP" sz="1500" dirty="0"/>
               <a:t>“Pursuer”, time = 1]</a:t>
             </a:r>
           </a:p>
@@ -10110,22 +10110,22 @@
               </a:lnSpc>
             </a:pPr>
             <a:r>
-              <a:rPr lang="en-US" altLang="ja-JP" sz="1400" dirty="0" smtClean="0"/>
+              <a:rPr lang="en-US" altLang="ja-JP" sz="1500" dirty="0"/>
               <a:t>[(</a:t>
             </a:r>
             <a:r>
-              <a:rPr lang="en-US" altLang="ja-JP" sz="1400" dirty="0"/>
+              <a:rPr lang="en-US" altLang="ja-JP" sz="1500" dirty="0"/>
               <a:t>7</a:t>
             </a:r>
             <a:r>
-              <a:rPr lang="en-US" altLang="ja-JP" sz="1400" dirty="0" smtClean="0"/>
+              <a:rPr lang="en-US" altLang="ja-JP" sz="1500" dirty="0"/>
               <a:t>,6), </a:t>
             </a:r>
             <a:r>
-              <a:rPr lang="en-US" altLang="ja-JP" sz="1400" dirty="0"/>
+              <a:rPr lang="en-US" altLang="ja-JP" sz="1500" dirty="0"/>
               <a:t>“Pursuer”, time = 1]</a:t>
             </a:r>
-            <a:endParaRPr kumimoji="1" lang="ja-JP" altLang="en-US" sz="1400" dirty="0"/>
+            <a:endParaRPr lang="ja-JP" altLang="en-US" sz="1500" dirty="0"/>
           </a:p>
         </p:txBody>
       </p:sp>
@@ -10138,7 +10138,7 @@
         <p:spPr>
           <a:xfrm>
             <a:off x="8824943" y="2645879"/>
-            <a:ext cx="2436400" cy="1212640"/>
+            <a:ext cx="2436400" cy="1268424"/>
           </a:xfrm>
           <a:prstGeom prst="rect">
             <a:avLst/>
@@ -10157,11 +10157,11 @@
               </a:lnSpc>
             </a:pPr>
             <a:r>
-              <a:rPr lang="en-US" altLang="ja-JP" sz="1400" dirty="0" smtClean="0"/>
+              <a:rPr lang="en-US" altLang="ja-JP" sz="1500" dirty="0" smtClean="0"/>
               <a:t>[(7,1</a:t>
             </a:r>
             <a:r>
-              <a:rPr lang="en-US" altLang="ja-JP" sz="1400" dirty="0"/>
+              <a:rPr lang="en-US" altLang="ja-JP" sz="1500" dirty="0"/>
               <a:t>), “Target”, time = 1]</a:t>
             </a:r>
           </a:p>
@@ -10172,11 +10172,11 @@
               </a:lnSpc>
             </a:pPr>
             <a:r>
-              <a:rPr lang="en-US" altLang="ja-JP" sz="1400" dirty="0" smtClean="0"/>
+              <a:rPr lang="en-US" altLang="ja-JP" sz="1500" dirty="0" smtClean="0"/>
               <a:t>[(8,0), </a:t>
             </a:r>
             <a:r>
-              <a:rPr lang="en-US" altLang="ja-JP" sz="1400" dirty="0"/>
+              <a:rPr lang="en-US" altLang="ja-JP" sz="1500" dirty="0"/>
               <a:t>“Target”, time = 1]</a:t>
             </a:r>
           </a:p>
@@ -10187,11 +10187,11 @@
               </a:lnSpc>
             </a:pPr>
             <a:r>
-              <a:rPr lang="en-US" altLang="ja-JP" sz="1400" dirty="0" smtClean="0"/>
+              <a:rPr lang="en-US" altLang="ja-JP" sz="1500" dirty="0" smtClean="0"/>
               <a:t>[(9,1</a:t>
             </a:r>
             <a:r>
-              <a:rPr lang="en-US" altLang="ja-JP" sz="1400" dirty="0"/>
+              <a:rPr lang="en-US" altLang="ja-JP" sz="1500" dirty="0"/>
               <a:t>), “Target”, time = 1]</a:t>
             </a:r>
           </a:p>
@@ -10202,18 +10202,18 @@
               </a:lnSpc>
             </a:pPr>
             <a:r>
-              <a:rPr lang="en-US" altLang="ja-JP" sz="1400" dirty="0"/>
+              <a:rPr lang="en-US" altLang="ja-JP" sz="1500" dirty="0"/>
               <a:t>[(</a:t>
             </a:r>
             <a:r>
-              <a:rPr lang="en-US" altLang="ja-JP" sz="1400" dirty="0" smtClean="0"/>
+              <a:rPr lang="en-US" altLang="ja-JP" sz="1500" dirty="0" smtClean="0"/>
               <a:t>8,2), </a:t>
             </a:r>
             <a:r>
-              <a:rPr lang="en-US" altLang="ja-JP" sz="1400" dirty="0"/>
+              <a:rPr lang="en-US" altLang="ja-JP" sz="1500" dirty="0"/>
               <a:t>“Target”, time = 1] </a:t>
             </a:r>
-            <a:endParaRPr kumimoji="1" lang="ja-JP" altLang="en-US" sz="1400" dirty="0"/>
+            <a:endParaRPr kumimoji="1" lang="ja-JP" altLang="en-US" sz="1500" dirty="0"/>
           </a:p>
         </p:txBody>
       </p:sp>
@@ -10772,14 +10772,14 @@
               </a:lnSpc>
             </a:pPr>
             <a:r>
-              <a:rPr lang="en-US" altLang="ja-JP" sz="1400" dirty="0" smtClean="0"/>
+              <a:rPr lang="en-US" altLang="ja-JP" sz="1500" dirty="0" smtClean="0"/>
               <a:t>[(3,2), </a:t>
             </a:r>
             <a:r>
-              <a:rPr lang="en-US" altLang="ja-JP" sz="1400" dirty="0"/>
+              <a:rPr lang="en-US" altLang="ja-JP" sz="1500" dirty="0"/>
               <a:t>“Pursuer”, time = 0] </a:t>
             </a:r>
-            <a:endParaRPr kumimoji="1" lang="ja-JP" altLang="en-US" sz="1400" dirty="0"/>
+            <a:endParaRPr kumimoji="1" lang="ja-JP" altLang="en-US" sz="1500" dirty="0"/>
           </a:p>
         </p:txBody>
       </p:sp>
@@ -10792,7 +10792,7 @@
         <p:spPr>
           <a:xfrm>
             <a:off x="2396876" y="3722314"/>
-            <a:ext cx="2436400" cy="382092"/>
+            <a:ext cx="2436400" cy="402803"/>
           </a:xfrm>
           <a:prstGeom prst="rect">
             <a:avLst/>
@@ -10811,14 +10811,14 @@
               </a:lnSpc>
             </a:pPr>
             <a:r>
-              <a:rPr lang="en-US" altLang="ja-JP" sz="1400" dirty="0" smtClean="0"/>
+              <a:rPr lang="en-US" altLang="ja-JP" sz="1500" dirty="0" smtClean="0"/>
               <a:t>[(7,5), </a:t>
             </a:r>
             <a:r>
-              <a:rPr lang="en-US" altLang="ja-JP" sz="1400" dirty="0"/>
+              <a:rPr lang="en-US" altLang="ja-JP" sz="1500" dirty="0"/>
               <a:t>“Pursuer”, time = 0] </a:t>
             </a:r>
-            <a:endParaRPr kumimoji="1" lang="ja-JP" altLang="en-US" sz="1400" dirty="0"/>
+            <a:endParaRPr kumimoji="1" lang="ja-JP" altLang="en-US" sz="1500" dirty="0"/>
           </a:p>
         </p:txBody>
       </p:sp>
@@ -10831,7 +10831,7 @@
         <p:spPr>
           <a:xfrm>
             <a:off x="2797890" y="2372504"/>
-            <a:ext cx="2436400" cy="382092"/>
+            <a:ext cx="2436400" cy="402803"/>
           </a:xfrm>
           <a:prstGeom prst="rect">
             <a:avLst/>
@@ -10850,14 +10850,14 @@
               </a:lnSpc>
             </a:pPr>
             <a:r>
-              <a:rPr lang="en-US" altLang="ja-JP" sz="1400" dirty="0" smtClean="0"/>
+              <a:rPr lang="en-US" altLang="ja-JP" sz="1500" dirty="0" smtClean="0"/>
               <a:t>[(8,1), </a:t>
             </a:r>
             <a:r>
-              <a:rPr lang="en-US" altLang="ja-JP" sz="1400" dirty="0"/>
+              <a:rPr lang="en-US" altLang="ja-JP" sz="1500" dirty="0"/>
               <a:t>“Target”, time = 0] </a:t>
             </a:r>
-            <a:endParaRPr kumimoji="1" lang="ja-JP" altLang="en-US" sz="1400" dirty="0"/>
+            <a:endParaRPr kumimoji="1" lang="ja-JP" altLang="en-US" sz="1500" dirty="0"/>
           </a:p>
         </p:txBody>
       </p:sp>
@@ -13666,7 +13666,7 @@
         <p:spPr>
           <a:xfrm>
             <a:off x="5313167" y="2302062"/>
-            <a:ext cx="5418459" cy="923330"/>
+            <a:ext cx="5418459" cy="1200329"/>
           </a:xfrm>
           <a:prstGeom prst="rect">
             <a:avLst/>
@@ -13706,7 +13706,11 @@
             </a:r>
             <a:r>
               <a:rPr lang="ja-JP" altLang="en-US" dirty="0"/>
-              <a:t>を適用します。</a:t>
+              <a:t>を</a:t>
+            </a:r>
+            <a:r>
+              <a:rPr lang="ja-JP" altLang="en-US" dirty="0" smtClean="0"/>
+              <a:t>適用。</a:t>
             </a:r>
             <a:endParaRPr lang="en-US" altLang="ja-JP" dirty="0"/>
           </a:p>
@@ -15191,28 +15195,28 @@
                 <a:gridCol w="2080180">
                   <a:extLst>
                     <a:ext uri="{9D8B030D-6E8A-4147-A177-3AD203B41FA5}">
-                      <a16:colId xmlns="" xmlns:a16="http://schemas.microsoft.com/office/drawing/2014/main" val="20000"/>
+                      <a16:colId xmlns:a16="http://schemas.microsoft.com/office/drawing/2014/main" xmlns="" val="20000"/>
                     </a:ext>
                   </a:extLst>
                 </a:gridCol>
                 <a:gridCol w="1591663">
                   <a:extLst>
                     <a:ext uri="{9D8B030D-6E8A-4147-A177-3AD203B41FA5}">
-                      <a16:colId xmlns="" xmlns:a16="http://schemas.microsoft.com/office/drawing/2014/main" val="20001"/>
+                      <a16:colId xmlns:a16="http://schemas.microsoft.com/office/drawing/2014/main" xmlns="" val="20001"/>
                     </a:ext>
                   </a:extLst>
                 </a:gridCol>
                 <a:gridCol w="1856559">
                   <a:extLst>
                     <a:ext uri="{9D8B030D-6E8A-4147-A177-3AD203B41FA5}">
-                      <a16:colId xmlns="" xmlns:a16="http://schemas.microsoft.com/office/drawing/2014/main" val="20002"/>
+                      <a16:colId xmlns:a16="http://schemas.microsoft.com/office/drawing/2014/main" xmlns="" val="20002"/>
                     </a:ext>
                   </a:extLst>
                 </a:gridCol>
                 <a:gridCol w="2376281">
                   <a:extLst>
                     <a:ext uri="{9D8B030D-6E8A-4147-A177-3AD203B41FA5}">
-                      <a16:colId xmlns="" xmlns:a16="http://schemas.microsoft.com/office/drawing/2014/main" val="20003"/>
+                      <a16:colId xmlns:a16="http://schemas.microsoft.com/office/drawing/2014/main" xmlns="" val="20003"/>
                     </a:ext>
                   </a:extLst>
                 </a:gridCol>
@@ -15378,7 +15382,7 @@
                 </a:tc>
                 <a:extLst>
                   <a:ext uri="{0D108BD9-81ED-4DB2-BD59-A6C34878D82A}">
-                    <a16:rowId xmlns="" xmlns:a16="http://schemas.microsoft.com/office/drawing/2014/main" val="10000"/>
+                    <a16:rowId xmlns:a16="http://schemas.microsoft.com/office/drawing/2014/main" xmlns="" val="10000"/>
                   </a:ext>
                 </a:extLst>
               </a:tr>
@@ -15508,7 +15512,7 @@
                 </a:tc>
                 <a:extLst>
                   <a:ext uri="{0D108BD9-81ED-4DB2-BD59-A6C34878D82A}">
-                    <a16:rowId xmlns="" xmlns:a16="http://schemas.microsoft.com/office/drawing/2014/main" val="10001"/>
+                    <a16:rowId xmlns:a16="http://schemas.microsoft.com/office/drawing/2014/main" xmlns="" val="10001"/>
                   </a:ext>
                 </a:extLst>
               </a:tr>
@@ -15638,7 +15642,7 @@
                 </a:tc>
                 <a:extLst>
                   <a:ext uri="{0D108BD9-81ED-4DB2-BD59-A6C34878D82A}">
-                    <a16:rowId xmlns="" xmlns:a16="http://schemas.microsoft.com/office/drawing/2014/main" val="10002"/>
+                    <a16:rowId xmlns:a16="http://schemas.microsoft.com/office/drawing/2014/main" xmlns="" val="10002"/>
                   </a:ext>
                 </a:extLst>
               </a:tr>
@@ -15771,7 +15775,7 @@
                 </a:tc>
                 <a:extLst>
                   <a:ext uri="{0D108BD9-81ED-4DB2-BD59-A6C34878D82A}">
-                    <a16:rowId xmlns="" xmlns:a16="http://schemas.microsoft.com/office/drawing/2014/main" val="10003"/>
+                    <a16:rowId xmlns:a16="http://schemas.microsoft.com/office/drawing/2014/main" xmlns="" val="10003"/>
                   </a:ext>
                 </a:extLst>
               </a:tr>
@@ -15877,8 +15881,12 @@
                 <a:latin typeface="メイリオ" panose="020B0604030504040204" pitchFamily="50" charset="-128"/>
                 <a:ea typeface="メイリオ" panose="020B0604030504040204" pitchFamily="50" charset="-128"/>
               </a:rPr>
-              <a:t>Pursuer 2, Target 1</a:t>
-            </a:r>
+              <a:t>2 Pursuers, 1Target</a:t>
+            </a:r>
+            <a:endParaRPr lang="en-US" altLang="zh-CN" sz="2000" dirty="0" smtClean="0">
+              <a:latin typeface="メイリオ" panose="020B0604030504040204" pitchFamily="50" charset="-128"/>
+              <a:ea typeface="メイリオ" panose="020B0604030504040204" pitchFamily="50" charset="-128"/>
+            </a:endParaRPr>
           </a:p>
           <a:p>
             <a:pPr>
@@ -16237,11 +16245,11 @@
               </a:lnSpc>
             </a:pPr>
             <a:r>
-              <a:rPr lang="en-US" altLang="zh-CN" sz="2000" dirty="0" smtClean="0">
+              <a:rPr lang="en-US" altLang="zh-CN" sz="2000" dirty="0">
                 <a:latin typeface="メイリオ" panose="020B0604030504040204" pitchFamily="50" charset="-128"/>
                 <a:ea typeface="メイリオ" panose="020B0604030504040204" pitchFamily="50" charset="-128"/>
               </a:rPr>
-              <a:t>Pursuer 2, Target 1</a:t>
+              <a:t>2 Pursuers, 1Target</a:t>
             </a:r>
           </a:p>
           <a:p>
@@ -16255,7 +16263,14 @@
                 <a:latin typeface="メイリオ" panose="020B0604030504040204" pitchFamily="50" charset="-128"/>
                 <a:ea typeface="メイリオ" panose="020B0604030504040204" pitchFamily="50" charset="-128"/>
               </a:rPr>
-              <a:t>実験回数：　</a:t>
+              <a:t>実験</a:t>
+            </a:r>
+            <a:r>
+              <a:rPr lang="ja-JP" altLang="en-US" sz="2000" dirty="0" smtClean="0">
+                <a:latin typeface="メイリオ" panose="020B0604030504040204" pitchFamily="50" charset="-128"/>
+                <a:ea typeface="メイリオ" panose="020B0604030504040204" pitchFamily="50" charset="-128"/>
+              </a:rPr>
+              <a:t>回数：　</a:t>
             </a:r>
             <a:r>
               <a:rPr lang="en-US" altLang="zh-CN" sz="2000" dirty="0" smtClean="0">
@@ -16459,7 +16474,7 @@
                 <a:latin typeface="メイリオ" panose="020B0604030504040204" pitchFamily="50" charset="-128"/>
                 <a:ea typeface="メイリオ" panose="020B0604030504040204" pitchFamily="50" charset="-128"/>
               </a:rPr>
-              <a:t>問題を発見</a:t>
+              <a:t>問題の発見</a:t>
             </a:r>
             <a:endParaRPr lang="en-US" altLang="ja-JP" sz="2400" dirty="0" smtClean="0">
               <a:latin typeface="メイリオ" panose="020B0604030504040204" pitchFamily="50" charset="-128"/>
@@ -16611,6 +16626,13 @@
                 <a:latin typeface="メイリオ" panose="020B0604030504040204" pitchFamily="50" charset="-128"/>
                 <a:ea typeface="メイリオ" panose="020B0604030504040204" pitchFamily="50" charset="-128"/>
               </a:rPr>
+              <a:t>実験</a:t>
+            </a:r>
+            <a:r>
+              <a:rPr lang="ja-JP" altLang="en-US" sz="2000" dirty="0" smtClean="0">
+                <a:latin typeface="メイリオ" panose="020B0604030504040204" pitchFamily="50" charset="-128"/>
+                <a:ea typeface="メイリオ" panose="020B0604030504040204" pitchFamily="50" charset="-128"/>
+              </a:rPr>
               <a:t>　</a:t>
             </a:r>
             <a:r>
@@ -16625,7 +16647,21 @@
                 <a:latin typeface="メイリオ" panose="020B0604030504040204" pitchFamily="50" charset="-128"/>
                 <a:ea typeface="メイリオ" panose="020B0604030504040204" pitchFamily="50" charset="-128"/>
               </a:rPr>
-              <a:t>　高速ができた</a:t>
+              <a:t>　</a:t>
+            </a:r>
+            <a:r>
+              <a:rPr lang="ja-JP" altLang="en-US" sz="2000" dirty="0" smtClean="0">
+                <a:latin typeface="メイリオ" panose="020B0604030504040204" pitchFamily="50" charset="-128"/>
+                <a:ea typeface="メイリオ" panose="020B0604030504040204" pitchFamily="50" charset="-128"/>
+              </a:rPr>
+              <a:t>高速化が</a:t>
+            </a:r>
+            <a:r>
+              <a:rPr lang="ja-JP" altLang="en-US" sz="2000" dirty="0" smtClean="0">
+                <a:latin typeface="メイリオ" panose="020B0604030504040204" pitchFamily="50" charset="-128"/>
+                <a:ea typeface="メイリオ" panose="020B0604030504040204" pitchFamily="50" charset="-128"/>
+              </a:rPr>
+              <a:t>できた</a:t>
             </a:r>
             <a:endParaRPr lang="en-US" altLang="ja-JP" sz="2000" dirty="0" smtClean="0">
               <a:latin typeface="メイリオ" panose="020B0604030504040204" pitchFamily="50" charset="-128"/>
@@ -16646,7 +16682,14 @@
                 <a:latin typeface="メイリオ" panose="020B0604030504040204" pitchFamily="50" charset="-128"/>
                 <a:ea typeface="メイリオ" panose="020B0604030504040204" pitchFamily="50" charset="-128"/>
               </a:rPr>
-              <a:t>比較　</a:t>
+              <a:t>比較実験</a:t>
+            </a:r>
+            <a:r>
+              <a:rPr lang="ja-JP" altLang="en-US" sz="2000" dirty="0" smtClean="0">
+                <a:latin typeface="メイリオ" panose="020B0604030504040204" pitchFamily="50" charset="-128"/>
+                <a:ea typeface="メイリオ" panose="020B0604030504040204" pitchFamily="50" charset="-128"/>
+              </a:rPr>
+              <a:t>　</a:t>
             </a:r>
             <a:r>
               <a:rPr lang="en-US" altLang="ja-JP" sz="2000" dirty="0" smtClean="0">
@@ -18045,158 +18088,188 @@
           </a:p>
         </p:txBody>
       </p:sp>
-      <p:pic>
-        <p:nvPicPr>
-          <p:cNvPr id="5" name="Picture 2" descr="Image result for wolves surrounding prey"/>
-          <p:cNvPicPr>
-            <a:picLocks noChangeAspect="1" noChangeArrowheads="1"/>
-          </p:cNvPicPr>
+      <p:grpSp>
+        <p:nvGrpSpPr>
+          <p:cNvPr id="19" name="グループ化 18"/>
+          <p:cNvGrpSpPr/>
           <p:nvPr/>
-        </p:nvPicPr>
-        <p:blipFill>
-          <a:blip r:embed="rId3">
+        </p:nvGrpSpPr>
+        <p:grpSpPr>
+          <a:xfrm>
+            <a:off x="1172921" y="2450297"/>
+            <a:ext cx="3627056" cy="3496502"/>
+            <a:chOff x="1280649" y="1598259"/>
+            <a:chExt cx="3627056" cy="3496502"/>
+          </a:xfrm>
+        </p:grpSpPr>
+        <p:pic>
+          <p:nvPicPr>
+            <p:cNvPr id="5" name="Picture 2" descr="Image result for wolves surrounding prey"/>
+            <p:cNvPicPr>
+              <a:picLocks noChangeAspect="1" noChangeArrowheads="1"/>
+            </p:cNvPicPr>
+            <p:nvPr/>
+          </p:nvPicPr>
+          <p:blipFill>
+            <a:blip r:embed="rId3">
+              <a:extLst>
+                <a:ext uri="{28A0092B-C50C-407E-A947-70E740481C1C}">
+                  <a14:useLocalDpi xmlns:a14="http://schemas.microsoft.com/office/drawing/2010/main" val="0"/>
+                </a:ext>
+              </a:extLst>
+            </a:blip>
+            <a:srcRect/>
+            <a:stretch>
+              <a:fillRect/>
+            </a:stretch>
+          </p:blipFill>
+          <p:spPr bwMode="auto">
+            <a:xfrm>
+              <a:off x="1280649" y="1598259"/>
+              <a:ext cx="3627056" cy="2930710"/>
+            </a:xfrm>
+            <a:prstGeom prst="rect">
+              <a:avLst/>
+            </a:prstGeom>
+            <a:noFill/>
             <a:extLst>
-              <a:ext uri="{28A0092B-C50C-407E-A947-70E740481C1C}">
-                <a14:useLocalDpi xmlns:a14="http://schemas.microsoft.com/office/drawing/2010/main" val="0"/>
+              <a:ext uri="{909E8E84-426E-40DD-AFC4-6F175D3DCCD1}">
+                <a14:hiddenFill xmlns:a14="http://schemas.microsoft.com/office/drawing/2010/main">
+                  <a:solidFill>
+                    <a:srgbClr val="FFFFFF"/>
+                  </a:solidFill>
+                </a14:hiddenFill>
               </a:ext>
             </a:extLst>
-          </a:blip>
-          <a:srcRect/>
-          <a:stretch>
-            <a:fillRect/>
-          </a:stretch>
-        </p:blipFill>
-        <p:spPr bwMode="auto">
+          </p:spPr>
+        </p:pic>
+        <p:sp>
+          <p:nvSpPr>
+            <p:cNvPr id="8" name="矩形 12"/>
+            <p:cNvSpPr/>
+            <p:nvPr/>
+          </p:nvSpPr>
+          <p:spPr>
+            <a:xfrm>
+              <a:off x="2642926" y="4694651"/>
+              <a:ext cx="1622571" cy="400110"/>
+            </a:xfrm>
+            <a:prstGeom prst="rect">
+              <a:avLst/>
+            </a:prstGeom>
+          </p:spPr>
+          <p:txBody>
+            <a:bodyPr wrap="square">
+              <a:spAutoFit/>
+            </a:bodyPr>
+            <a:lstStyle/>
+            <a:p>
+              <a:r>
+                <a:rPr kumimoji="0" lang="ja-JP" altLang="en-US" sz="2000" dirty="0">
+                  <a:solidFill>
+                    <a:srgbClr val="222222"/>
+                  </a:solidFill>
+                  <a:latin typeface="メイリオ" panose="020B0604030504040204" pitchFamily="50" charset="-128"/>
+                  <a:ea typeface="メイリオ" panose="020B0604030504040204" pitchFamily="50" charset="-128"/>
+                  <a:cs typeface="Arial" panose="020B0604020202020204" pitchFamily="34" charset="0"/>
+                </a:rPr>
+                <a:t>狼と獲物</a:t>
+              </a:r>
+              <a:endParaRPr lang="en-US" sz="2000" dirty="0">
+                <a:latin typeface="メイリオ" panose="020B0604030504040204" pitchFamily="50" charset="-128"/>
+                <a:ea typeface="メイリオ" panose="020B0604030504040204" pitchFamily="50" charset="-128"/>
+              </a:endParaRPr>
+            </a:p>
+          </p:txBody>
+        </p:sp>
+      </p:grpSp>
+      <p:grpSp>
+        <p:nvGrpSpPr>
+          <p:cNvPr id="21" name="グループ化 20"/>
+          <p:cNvGrpSpPr/>
+          <p:nvPr/>
+        </p:nvGrpSpPr>
+        <p:grpSpPr>
           <a:xfrm>
-            <a:off x="1280649" y="1598259"/>
-            <a:ext cx="3627056" cy="2930710"/>
+            <a:off x="6481614" y="2545074"/>
+            <a:ext cx="3907613" cy="3496502"/>
+            <a:chOff x="6437872" y="1598259"/>
+            <a:chExt cx="3907613" cy="3496502"/>
           </a:xfrm>
-          <a:prstGeom prst="rect">
-            <a:avLst/>
-          </a:prstGeom>
-          <a:noFill/>
-          <a:extLst>
-            <a:ext uri="{909E8E84-426E-40DD-AFC4-6F175D3DCCD1}">
-              <a14:hiddenFill xmlns:a14="http://schemas.microsoft.com/office/drawing/2010/main">
-                <a:solidFill>
-                  <a:srgbClr val="FFFFFF"/>
-                </a:solidFill>
-              </a14:hiddenFill>
-            </a:ext>
-          </a:extLst>
-        </p:spPr>
-      </p:pic>
-      <p:pic>
-        <p:nvPicPr>
-          <p:cNvPr id="6" name="Picture 4" descr="Image result for warcraft 3 surround"/>
-          <p:cNvPicPr>
-            <a:picLocks noChangeAspect="1" noChangeArrowheads="1"/>
-          </p:cNvPicPr>
-          <p:nvPr/>
-        </p:nvPicPr>
-        <p:blipFill>
-          <a:blip r:embed="rId4">
+        </p:grpSpPr>
+        <p:pic>
+          <p:nvPicPr>
+            <p:cNvPr id="6" name="Picture 4" descr="Image result for warcraft 3 surround"/>
+            <p:cNvPicPr>
+              <a:picLocks noChangeAspect="1" noChangeArrowheads="1"/>
+            </p:cNvPicPr>
+            <p:nvPr/>
+          </p:nvPicPr>
+          <p:blipFill>
+            <a:blip r:embed="rId4">
+              <a:extLst>
+                <a:ext uri="{28A0092B-C50C-407E-A947-70E740481C1C}">
+                  <a14:useLocalDpi xmlns:a14="http://schemas.microsoft.com/office/drawing/2010/main" val="0"/>
+                </a:ext>
+              </a:extLst>
+            </a:blip>
+            <a:srcRect/>
+            <a:stretch>
+              <a:fillRect/>
+            </a:stretch>
+          </p:blipFill>
+          <p:spPr bwMode="auto">
+            <a:xfrm>
+              <a:off x="6437872" y="1598259"/>
+              <a:ext cx="3907613" cy="2930710"/>
+            </a:xfrm>
+            <a:prstGeom prst="rect">
+              <a:avLst/>
+            </a:prstGeom>
+            <a:noFill/>
             <a:extLst>
-              <a:ext uri="{28A0092B-C50C-407E-A947-70E740481C1C}">
-                <a14:useLocalDpi xmlns:a14="http://schemas.microsoft.com/office/drawing/2010/main" val="0"/>
+              <a:ext uri="{909E8E84-426E-40DD-AFC4-6F175D3DCCD1}">
+                <a14:hiddenFill xmlns:a14="http://schemas.microsoft.com/office/drawing/2010/main">
+                  <a:solidFill>
+                    <a:srgbClr val="FFFFFF"/>
+                  </a:solidFill>
+                </a14:hiddenFill>
               </a:ext>
             </a:extLst>
-          </a:blip>
-          <a:srcRect/>
-          <a:stretch>
-            <a:fillRect/>
-          </a:stretch>
-        </p:blipFill>
-        <p:spPr bwMode="auto">
-          <a:xfrm>
-            <a:off x="6437872" y="1598259"/>
-            <a:ext cx="3907613" cy="2930710"/>
-          </a:xfrm>
-          <a:prstGeom prst="rect">
-            <a:avLst/>
-          </a:prstGeom>
-          <a:noFill/>
-          <a:extLst>
-            <a:ext uri="{909E8E84-426E-40DD-AFC4-6F175D3DCCD1}">
-              <a14:hiddenFill xmlns:a14="http://schemas.microsoft.com/office/drawing/2010/main">
-                <a:solidFill>
-                  <a:srgbClr val="FFFFFF"/>
-                </a:solidFill>
-              </a14:hiddenFill>
-            </a:ext>
-          </a:extLst>
-        </p:spPr>
-      </p:pic>
-      <p:sp>
-        <p:nvSpPr>
-          <p:cNvPr id="8" name="矩形 12"/>
-          <p:cNvSpPr/>
-          <p:nvPr/>
-        </p:nvSpPr>
-        <p:spPr>
-          <a:xfrm>
-            <a:off x="2642926" y="4694651"/>
-            <a:ext cx="1622571" cy="400110"/>
-          </a:xfrm>
-          <a:prstGeom prst="rect">
-            <a:avLst/>
-          </a:prstGeom>
-        </p:spPr>
-        <p:txBody>
-          <a:bodyPr wrap="square">
-            <a:spAutoFit/>
-          </a:bodyPr>
-          <a:lstStyle/>
-          <a:p>
-            <a:r>
-              <a:rPr kumimoji="0" lang="ja-JP" altLang="en-US" sz="2000" dirty="0">
-                <a:solidFill>
-                  <a:srgbClr val="222222"/>
-                </a:solidFill>
-                <a:latin typeface="メイリオ" panose="020B0604030504040204" pitchFamily="50" charset="-128"/>
-                <a:ea typeface="メイリオ" panose="020B0604030504040204" pitchFamily="50" charset="-128"/>
-                <a:cs typeface="Arial" panose="020B0604020202020204" pitchFamily="34" charset="0"/>
-              </a:rPr>
-              <a:t>狼と獲物</a:t>
-            </a:r>
-            <a:endParaRPr lang="en-US" sz="2000" dirty="0">
-              <a:latin typeface="メイリオ" panose="020B0604030504040204" pitchFamily="50" charset="-128"/>
-              <a:ea typeface="メイリオ" panose="020B0604030504040204" pitchFamily="50" charset="-128"/>
-            </a:endParaRPr>
-          </a:p>
-        </p:txBody>
-      </p:sp>
-      <p:sp>
-        <p:nvSpPr>
-          <p:cNvPr id="9" name="矩形 88"/>
-          <p:cNvSpPr/>
-          <p:nvPr/>
-        </p:nvSpPr>
-        <p:spPr>
-          <a:xfrm>
-            <a:off x="7739807" y="4694651"/>
-            <a:ext cx="1458263" cy="400110"/>
-          </a:xfrm>
-          <a:prstGeom prst="rect">
-            <a:avLst/>
-          </a:prstGeom>
-        </p:spPr>
-        <p:txBody>
-          <a:bodyPr wrap="square">
-            <a:spAutoFit/>
-          </a:bodyPr>
-          <a:lstStyle/>
-          <a:p>
-            <a:r>
-              <a:rPr lang="en-US" sz="2000" dirty="0">
-                <a:latin typeface="Times New Roman" panose="02020603050405020304" pitchFamily="18" charset="0"/>
-                <a:cs typeface="Times New Roman" panose="02020603050405020304" pitchFamily="18" charset="0"/>
-              </a:rPr>
-              <a:t>Warcraft 3</a:t>
-            </a:r>
-          </a:p>
-        </p:txBody>
-      </p:sp>
+          </p:spPr>
+        </p:pic>
+        <p:sp>
+          <p:nvSpPr>
+            <p:cNvPr id="9" name="矩形 88"/>
+            <p:cNvSpPr/>
+            <p:nvPr/>
+          </p:nvSpPr>
+          <p:spPr>
+            <a:xfrm>
+              <a:off x="7739807" y="4694651"/>
+              <a:ext cx="1458263" cy="400110"/>
+            </a:xfrm>
+            <a:prstGeom prst="rect">
+              <a:avLst/>
+            </a:prstGeom>
+          </p:spPr>
+          <p:txBody>
+            <a:bodyPr wrap="square">
+              <a:spAutoFit/>
+            </a:bodyPr>
+            <a:lstStyle/>
+            <a:p>
+              <a:r>
+                <a:rPr lang="en-US" sz="2000" dirty="0">
+                  <a:latin typeface="Times New Roman" panose="02020603050405020304" pitchFamily="18" charset="0"/>
+                  <a:cs typeface="Times New Roman" panose="02020603050405020304" pitchFamily="18" charset="0"/>
+                </a:rPr>
+                <a:t>Warcraft 3</a:t>
+              </a:r>
+            </a:p>
+          </p:txBody>
+        </p:sp>
+      </p:grpSp>
       <p:grpSp>
         <p:nvGrpSpPr>
           <p:cNvPr id="4" name="グループ化 3"/>
@@ -18205,8 +18278,8 @@
         </p:nvGrpSpPr>
         <p:grpSpPr>
           <a:xfrm>
-            <a:off x="4045298" y="1380014"/>
-            <a:ext cx="3445817" cy="3869343"/>
+            <a:off x="3697468" y="2262084"/>
+            <a:ext cx="3936710" cy="4420572"/>
             <a:chOff x="3933438" y="1433103"/>
             <a:chExt cx="3260395" cy="3661131"/>
           </a:xfrm>
@@ -18274,7 +18347,7 @@
         </p:nvSpPr>
         <p:spPr>
           <a:xfrm>
-            <a:off x="838200" y="6041576"/>
+            <a:off x="838200" y="1723049"/>
             <a:ext cx="8965349" cy="369332"/>
           </a:xfrm>
           <a:prstGeom prst="rect">
@@ -18335,8 +18408,8 @@
         </p:nvGrpSpPr>
         <p:grpSpPr>
           <a:xfrm>
-            <a:off x="4823862" y="1432577"/>
-            <a:ext cx="2389821" cy="1686876"/>
+            <a:off x="4645355" y="2383678"/>
+            <a:ext cx="2679169" cy="1891115"/>
             <a:chOff x="4765639" y="1428372"/>
             <a:chExt cx="2389821" cy="1686876"/>
           </a:xfrm>
@@ -18534,7 +18607,7 @@
         </p:nvCxnSpPr>
         <p:spPr>
           <a:xfrm>
-            <a:off x="1635634" y="6398473"/>
+            <a:off x="1675392" y="2109086"/>
             <a:ext cx="2033195" cy="0"/>
           </a:xfrm>
           <a:prstGeom prst="line">
@@ -18569,7 +18642,7 @@
         </p:nvSpPr>
         <p:spPr>
           <a:xfrm>
-            <a:off x="6862135" y="1417059"/>
+            <a:off x="6997326" y="2375129"/>
             <a:ext cx="339774" cy="339774"/>
           </a:xfrm>
           <a:prstGeom prst="ellipse">
@@ -18615,7 +18688,7 @@
         </p:nvCxnSpPr>
         <p:spPr>
           <a:xfrm>
-            <a:off x="5012346" y="6398473"/>
+            <a:off x="5075148" y="2100687"/>
             <a:ext cx="1502346" cy="0"/>
           </a:xfrm>
           <a:prstGeom prst="line">
@@ -18650,7 +18723,7 @@
         </p:nvSpPr>
         <p:spPr>
           <a:xfrm>
-            <a:off x="4576843" y="5304140"/>
+            <a:off x="1163708" y="6088367"/>
             <a:ext cx="2373351" cy="473407"/>
           </a:xfrm>
           <a:prstGeom prst="roundRect">
@@ -19341,11 +19414,7 @@
             </a:r>
             <a:r>
               <a:rPr lang="en-US" altLang="zh-CN" dirty="0" smtClean="0"/>
-              <a:t> </a:t>
-            </a:r>
-            <a:r>
-              <a:rPr lang="en-US" altLang="zh-CN" dirty="0" smtClean="0"/>
-              <a:t>Pursuers (</a:t>
+              <a:t> Pursuers (</a:t>
             </a:r>
             <a:r>
               <a:rPr lang="en-US" altLang="zh-CN" b="1" i="1" dirty="0" smtClean="0"/>
@@ -22163,14 +22232,7 @@
                 <a:latin typeface="メイリオ" panose="020B0604030504040204" pitchFamily="50" charset="-128"/>
                 <a:ea typeface="メイリオ" panose="020B0604030504040204" pitchFamily="50" charset="-128"/>
               </a:rPr>
-              <a:t>Pursuer-cover-set: </a:t>
-            </a:r>
-            <a:r>
-              <a:rPr lang="en-US" altLang="ja-JP" dirty="0" smtClean="0">
-                <a:latin typeface="メイリオ" panose="020B0604030504040204" pitchFamily="50" charset="-128"/>
-                <a:ea typeface="メイリオ" panose="020B0604030504040204" pitchFamily="50" charset="-128"/>
-              </a:rPr>
-              <a:t>Pursuer</a:t>
+              <a:t>Pursuer-cover-set: Pursuer</a:t>
             </a:r>
             <a:r>
               <a:rPr lang="ja-JP" altLang="en-US" dirty="0">
@@ -22799,7 +22861,7 @@
         <p:spPr>
           <a:xfrm>
             <a:off x="6690093" y="3515919"/>
-            <a:ext cx="2436400" cy="1190006"/>
+            <a:ext cx="2436400" cy="1292662"/>
           </a:xfrm>
           <a:prstGeom prst="rect">
             <a:avLst/>
@@ -22818,11 +22880,11 @@
               </a:lnSpc>
             </a:pPr>
             <a:r>
-              <a:rPr lang="en-US" altLang="ja-JP" sz="1400" dirty="0" smtClean="0"/>
+              <a:rPr lang="en-US" altLang="ja-JP" sz="1500" dirty="0" smtClean="0"/>
               <a:t>[(3,1), </a:t>
             </a:r>
             <a:r>
-              <a:rPr lang="en-US" altLang="ja-JP" sz="1400" dirty="0"/>
+              <a:rPr lang="en-US" altLang="ja-JP" sz="1500" dirty="0"/>
               <a:t>“Pursuer”, time = 1] </a:t>
             </a:r>
           </a:p>
@@ -22833,11 +22895,11 @@
               </a:lnSpc>
             </a:pPr>
             <a:r>
-              <a:rPr lang="en-US" altLang="ja-JP" sz="1400" dirty="0" smtClean="0"/>
+              <a:rPr lang="en-US" altLang="ja-JP" sz="1500" dirty="0" smtClean="0"/>
               <a:t>[(4,0), </a:t>
             </a:r>
             <a:r>
-              <a:rPr lang="en-US" altLang="ja-JP" sz="1400" dirty="0"/>
+              <a:rPr lang="en-US" altLang="ja-JP" sz="1500" dirty="0"/>
               <a:t>“Pursuer”, time = 1]</a:t>
             </a:r>
           </a:p>
@@ -22848,11 +22910,11 @@
               </a:lnSpc>
             </a:pPr>
             <a:r>
-              <a:rPr lang="en-US" altLang="ja-JP" sz="1400" dirty="0" smtClean="0"/>
+              <a:rPr lang="en-US" altLang="ja-JP" sz="1500" dirty="0" smtClean="0"/>
               <a:t>[(5,1), </a:t>
             </a:r>
             <a:r>
-              <a:rPr lang="en-US" altLang="ja-JP" sz="1400" dirty="0"/>
+              <a:rPr lang="en-US" altLang="ja-JP" sz="1500" dirty="0"/>
               <a:t>“Pursuer”, time = 1]</a:t>
             </a:r>
           </a:p>
@@ -22863,14 +22925,14 @@
               </a:lnSpc>
             </a:pPr>
             <a:r>
-              <a:rPr lang="en-US" altLang="ja-JP" sz="1400" dirty="0" smtClean="0"/>
+              <a:rPr lang="en-US" altLang="ja-JP" sz="1500" dirty="0" smtClean="0"/>
               <a:t>[(4,2), </a:t>
             </a:r>
             <a:r>
-              <a:rPr lang="en-US" altLang="ja-JP" sz="1400" dirty="0"/>
+              <a:rPr lang="en-US" altLang="ja-JP" sz="1500" dirty="0"/>
               <a:t>“Pursuer”, time = 1]</a:t>
             </a:r>
-            <a:endParaRPr kumimoji="1" lang="ja-JP" altLang="en-US" sz="1400" dirty="0"/>
+            <a:endParaRPr kumimoji="1" lang="ja-JP" altLang="en-US" sz="1500" dirty="0"/>
           </a:p>
         </p:txBody>
       </p:sp>
@@ -23488,14 +23550,14 @@
               </a:lnSpc>
             </a:pPr>
             <a:r>
-              <a:rPr lang="en-US" altLang="ja-JP" sz="1400" dirty="0" smtClean="0"/>
+              <a:rPr lang="en-US" altLang="ja-JP" sz="1500" dirty="0" smtClean="0"/>
               <a:t>[(4,1), </a:t>
             </a:r>
             <a:r>
-              <a:rPr lang="en-US" altLang="ja-JP" sz="1400" dirty="0"/>
+              <a:rPr lang="en-US" altLang="ja-JP" sz="1500" dirty="0"/>
               <a:t>“Pursuer”, time = 0] </a:t>
             </a:r>
-            <a:endParaRPr kumimoji="1" lang="ja-JP" altLang="en-US" sz="1400" dirty="0"/>
+            <a:endParaRPr kumimoji="1" lang="ja-JP" altLang="en-US" sz="1500" dirty="0"/>
           </a:p>
         </p:txBody>
       </p:sp>
@@ -23527,14 +23589,14 @@
               </a:lnSpc>
             </a:pPr>
             <a:r>
-              <a:rPr lang="en-US" altLang="ja-JP" sz="1400" dirty="0" smtClean="0"/>
+              <a:rPr lang="en-US" altLang="ja-JP" sz="1500" dirty="0" smtClean="0"/>
               <a:t>[(8,3), </a:t>
             </a:r>
             <a:r>
-              <a:rPr lang="en-US" altLang="ja-JP" sz="1400" dirty="0"/>
+              <a:rPr lang="en-US" altLang="ja-JP" sz="1500" dirty="0"/>
               <a:t>“Pursuer”, time = 0] </a:t>
             </a:r>
-            <a:endParaRPr kumimoji="1" lang="ja-JP" altLang="en-US" sz="1400" dirty="0"/>
+            <a:endParaRPr kumimoji="1" lang="ja-JP" altLang="en-US" sz="1500" dirty="0"/>
           </a:p>
         </p:txBody>
       </p:sp>
@@ -23547,7 +23609,7 @@
         <p:spPr>
           <a:xfrm>
             <a:off x="3209013" y="4558377"/>
-            <a:ext cx="2436400" cy="382092"/>
+            <a:ext cx="2436400" cy="402803"/>
           </a:xfrm>
           <a:prstGeom prst="rect">
             <a:avLst/>
@@ -23566,22 +23628,22 @@
               </a:lnSpc>
             </a:pPr>
             <a:r>
-              <a:rPr lang="en-US" altLang="ja-JP" sz="1400" dirty="0" smtClean="0"/>
+              <a:rPr lang="en-US" altLang="ja-JP" sz="1500" dirty="0" smtClean="0"/>
               <a:t>[(</a:t>
             </a:r>
             <a:r>
-              <a:rPr lang="en-US" altLang="ja-JP" sz="1400" dirty="0"/>
+              <a:rPr lang="en-US" altLang="ja-JP" sz="1500" dirty="0"/>
               <a:t>8</a:t>
             </a:r>
             <a:r>
-              <a:rPr lang="en-US" altLang="ja-JP" sz="1400" dirty="0" smtClean="0"/>
+              <a:rPr lang="en-US" altLang="ja-JP" sz="1500" dirty="0" smtClean="0"/>
               <a:t>,8), </a:t>
             </a:r>
             <a:r>
-              <a:rPr lang="en-US" altLang="ja-JP" sz="1400" dirty="0"/>
+              <a:rPr lang="en-US" altLang="ja-JP" sz="1500" dirty="0"/>
               <a:t>“Pursuer”, time = 0] </a:t>
             </a:r>
-            <a:endParaRPr kumimoji="1" lang="ja-JP" altLang="en-US" sz="1400" dirty="0"/>
+            <a:endParaRPr kumimoji="1" lang="ja-JP" altLang="en-US" sz="1500" dirty="0"/>
           </a:p>
         </p:txBody>
       </p:sp>
@@ -23613,14 +23675,14 @@
               </a:lnSpc>
             </a:pPr>
             <a:r>
-              <a:rPr lang="en-US" altLang="ja-JP" sz="1400" dirty="0" smtClean="0"/>
+              <a:rPr lang="en-US" altLang="ja-JP" sz="1500" dirty="0" smtClean="0"/>
               <a:t>[(1,6), </a:t>
             </a:r>
             <a:r>
-              <a:rPr lang="en-US" altLang="ja-JP" sz="1400" dirty="0"/>
+              <a:rPr lang="en-US" altLang="ja-JP" sz="1500" dirty="0"/>
               <a:t>“Pursuer”, time = 0] </a:t>
             </a:r>
-            <a:endParaRPr kumimoji="1" lang="ja-JP" altLang="en-US" sz="1400" dirty="0"/>
+            <a:endParaRPr kumimoji="1" lang="ja-JP" altLang="en-US" sz="1500" dirty="0"/>
           </a:p>
         </p:txBody>
       </p:sp>
@@ -23652,14 +23714,14 @@
               </a:lnSpc>
             </a:pPr>
             <a:r>
-              <a:rPr lang="en-US" altLang="ja-JP" sz="1400" dirty="0" smtClean="0"/>
+              <a:rPr lang="en-US" altLang="ja-JP" sz="1500" dirty="0" smtClean="0"/>
               <a:t>[(5,5), </a:t>
             </a:r>
             <a:r>
-              <a:rPr lang="en-US" altLang="ja-JP" sz="1400" dirty="0"/>
+              <a:rPr lang="en-US" altLang="ja-JP" sz="1500" dirty="0"/>
               <a:t>“Target”, time = 0] </a:t>
             </a:r>
-            <a:endParaRPr kumimoji="1" lang="ja-JP" altLang="en-US" sz="1400" dirty="0"/>
+            <a:endParaRPr kumimoji="1" lang="ja-JP" altLang="en-US" sz="1500" dirty="0"/>
           </a:p>
         </p:txBody>
       </p:sp>
@@ -25180,9 +25242,9 @@
         <p:grpSpPr>
           <a:xfrm>
             <a:off x="6675000" y="2123882"/>
-            <a:ext cx="2436400" cy="1719230"/>
+            <a:ext cx="2436400" cy="2677656"/>
             <a:chOff x="6675000" y="2123882"/>
-            <a:chExt cx="2436400" cy="1719230"/>
+            <a:chExt cx="2436400" cy="2677656"/>
           </a:xfrm>
         </p:grpSpPr>
         <p:sp>
@@ -25194,7 +25256,7 @@
           <p:spPr>
             <a:xfrm>
               <a:off x="6675000" y="2123882"/>
-              <a:ext cx="2436400" cy="382092"/>
+              <a:ext cx="2436400" cy="2677656"/>
             </a:xfrm>
             <a:prstGeom prst="rect">
               <a:avLst/>
@@ -25218,29 +25280,6 @@
               </a:r>
               <a:endParaRPr kumimoji="1" lang="ja-JP" altLang="en-US" sz="1400" dirty="0"/>
             </a:p>
-          </p:txBody>
-        </p:sp>
-        <p:sp>
-          <p:nvSpPr>
-            <p:cNvPr id="79" name="テキスト ボックス 78"/>
-            <p:cNvSpPr txBox="1"/>
-            <p:nvPr/>
-          </p:nvSpPr>
-          <p:spPr>
-            <a:xfrm>
-              <a:off x="6675000" y="2375474"/>
-              <a:ext cx="2436400" cy="382092"/>
-            </a:xfrm>
-            <a:prstGeom prst="rect">
-              <a:avLst/>
-            </a:prstGeom>
-            <a:noFill/>
-          </p:spPr>
-          <p:txBody>
-            <a:bodyPr wrap="square" rtlCol="0">
-              <a:spAutoFit/>
-            </a:bodyPr>
-            <a:lstStyle/>
             <a:p>
               <a:pPr>
                 <a:lnSpc>
@@ -25253,29 +25292,6 @@
               </a:r>
               <a:endParaRPr kumimoji="1" lang="ja-JP" altLang="en-US" sz="1400" dirty="0"/>
             </a:p>
-          </p:txBody>
-        </p:sp>
-        <p:sp>
-          <p:nvSpPr>
-            <p:cNvPr id="80" name="テキスト ボックス 79"/>
-            <p:cNvSpPr txBox="1"/>
-            <p:nvPr/>
-          </p:nvSpPr>
-          <p:spPr>
-            <a:xfrm>
-              <a:off x="6675000" y="2650074"/>
-              <a:ext cx="2436400" cy="382092"/>
-            </a:xfrm>
-            <a:prstGeom prst="rect">
-              <a:avLst/>
-            </a:prstGeom>
-            <a:noFill/>
-          </p:spPr>
-          <p:txBody>
-            <a:bodyPr wrap="square" rtlCol="0">
-              <a:spAutoFit/>
-            </a:bodyPr>
-            <a:lstStyle/>
             <a:p>
               <a:pPr>
                 <a:lnSpc>
@@ -25288,29 +25304,6 @@
               </a:r>
               <a:endParaRPr kumimoji="1" lang="ja-JP" altLang="en-US" sz="1400" dirty="0"/>
             </a:p>
-          </p:txBody>
-        </p:sp>
-        <p:sp>
-          <p:nvSpPr>
-            <p:cNvPr id="81" name="テキスト ボックス 80"/>
-            <p:cNvSpPr txBox="1"/>
-            <p:nvPr/>
-          </p:nvSpPr>
-          <p:spPr>
-            <a:xfrm>
-              <a:off x="6675000" y="2927009"/>
-              <a:ext cx="2436400" cy="382092"/>
-            </a:xfrm>
-            <a:prstGeom prst="rect">
-              <a:avLst/>
-            </a:prstGeom>
-            <a:noFill/>
-          </p:spPr>
-          <p:txBody>
-            <a:bodyPr wrap="square" rtlCol="0">
-              <a:spAutoFit/>
-            </a:bodyPr>
-            <a:lstStyle/>
             <a:p>
               <a:pPr>
                 <a:lnSpc>
@@ -25319,8 +25312,58 @@
               </a:pPr>
               <a:r>
                 <a:rPr lang="en-US" altLang="ja-JP" sz="1400" dirty="0"/>
-                <a:t>[location, “Pursuer”, time = 3] </a:t>
+                <a:t>[location, “Pursuer”, time = 3</a:t>
               </a:r>
+              <a:r>
+                <a:rPr lang="en-US" altLang="ja-JP" sz="1400" dirty="0" smtClean="0"/>
+                <a:t>]</a:t>
+              </a:r>
+            </a:p>
+            <a:p>
+              <a:pPr algn="ctr">
+                <a:lnSpc>
+                  <a:spcPct val="150000"/>
+                </a:lnSpc>
+              </a:pPr>
+              <a:r>
+                <a:rPr lang="en-US" altLang="ja-JP" sz="1400" dirty="0" smtClean="0"/>
+                <a:t>…</a:t>
+              </a:r>
+            </a:p>
+            <a:p>
+              <a:pPr>
+                <a:lnSpc>
+                  <a:spcPct val="150000"/>
+                </a:lnSpc>
+              </a:pPr>
+              <a:r>
+                <a:rPr lang="en-US" altLang="ja-JP" sz="1400" dirty="0" smtClean="0"/>
+                <a:t>[</a:t>
+              </a:r>
+              <a:r>
+                <a:rPr lang="en-US" altLang="ja-JP" sz="1400" dirty="0"/>
+                <a:t>location, “Target”, time = 3] </a:t>
+              </a:r>
+              <a:endParaRPr kumimoji="1" lang="ja-JP" altLang="en-US" sz="1400" dirty="0"/>
+            </a:p>
+            <a:p>
+              <a:pPr>
+                <a:lnSpc>
+                  <a:spcPct val="150000"/>
+                </a:lnSpc>
+              </a:pPr>
+              <a:r>
+                <a:rPr lang="en-US" altLang="ja-JP" sz="1400" dirty="0" smtClean="0"/>
+                <a:t> </a:t>
+              </a:r>
+              <a:endParaRPr kumimoji="1" lang="ja-JP" altLang="en-US" sz="1400" dirty="0"/>
+            </a:p>
+            <a:p>
+              <a:pPr>
+                <a:lnSpc>
+                  <a:spcPct val="150000"/>
+                </a:lnSpc>
+              </a:pPr>
               <a:endParaRPr kumimoji="1" lang="ja-JP" altLang="en-US" sz="1400" dirty="0"/>
             </a:p>
           </p:txBody>
@@ -25352,45 +25395,6 @@
                   <a:spcPct val="150000"/>
                 </a:lnSpc>
               </a:pPr>
-              <a:r>
-                <a:rPr lang="en-US" altLang="ja-JP" sz="1400" dirty="0"/>
-                <a:t>[location, “Target”, time = 3] </a:t>
-              </a:r>
-              <a:endParaRPr kumimoji="1" lang="ja-JP" altLang="en-US" sz="1400" dirty="0"/>
-            </a:p>
-          </p:txBody>
-        </p:sp>
-        <p:sp>
-          <p:nvSpPr>
-            <p:cNvPr id="36" name="テキスト ボックス 35"/>
-            <p:cNvSpPr txBox="1"/>
-            <p:nvPr/>
-          </p:nvSpPr>
-          <p:spPr>
-            <a:xfrm>
-              <a:off x="6675000" y="3201609"/>
-              <a:ext cx="2002275" cy="382092"/>
-            </a:xfrm>
-            <a:prstGeom prst="rect">
-              <a:avLst/>
-            </a:prstGeom>
-            <a:noFill/>
-          </p:spPr>
-          <p:txBody>
-            <a:bodyPr wrap="square" rtlCol="0">
-              <a:spAutoFit/>
-            </a:bodyPr>
-            <a:lstStyle/>
-            <a:p>
-              <a:pPr algn="ctr">
-                <a:lnSpc>
-                  <a:spcPct val="150000"/>
-                </a:lnSpc>
-              </a:pPr>
-              <a:r>
-                <a:rPr lang="en-US" altLang="ja-JP" sz="1400" dirty="0"/>
-                <a:t>…</a:t>
-              </a:r>
               <a:endParaRPr kumimoji="1" lang="ja-JP" altLang="en-US" sz="1400" dirty="0"/>
             </a:p>
           </p:txBody>
